--- a/Presentations/D1-3-CommandLineTools.pptx
+++ b/Presentations/D1-3-CommandLineTools.pptx
@@ -925,7 +925,23 @@
             </a:r>
             <a:r>
               <a:rPr lang="en-US" dirty="0" smtClean="0"/>
-              <a:t> ‘chr1 ’ 6_spec_snps_refAlt_browser_decrement.pgSnp | </a:t>
+              <a:t> ‘</a:t>
+            </a:r>
+            <a:r>
+              <a:rPr lang="en-US" dirty="0" smtClean="0"/>
+              <a:t>chr5 </a:t>
+            </a:r>
+            <a:r>
+              <a:rPr lang="en-US" dirty="0" smtClean="0"/>
+              <a:t>’ </a:t>
+            </a:r>
+            <a:r>
+              <a:rPr lang="en-US" dirty="0" smtClean="0"/>
+              <a:t>problem002.txt </a:t>
+            </a:r>
+            <a:r>
+              <a:rPr lang="en-US" dirty="0" smtClean="0"/>
+              <a:t>| </a:t>
             </a:r>
             <a:r>
               <a:rPr lang="en-US" dirty="0" err="1" smtClean="0"/>
@@ -968,7 +984,7 @@
             </a:r>
             <a:r>
               <a:rPr lang="en-US" dirty="0" smtClean="0"/>
-              <a:t> 2 ’ 6_spec_snps_refAlt_browser_decrement.pgSnp | </a:t>
+              <a:t> 8 ’ problem002.txt | </a:t>
             </a:r>
             <a:r>
               <a:rPr lang="en-US" dirty="0" err="1" smtClean="0"/>
@@ -976,7 +992,7 @@
             </a:r>
             <a:r>
               <a:rPr lang="en-US" dirty="0" smtClean="0"/>
-              <a:t> ‘{if ($2 &gt;= 100005112 &amp;&amp; $3 &lt;= 100250811) print $0}’ | </a:t>
+              <a:t> ‘{if ($2 &gt;= 100005112 &amp;&amp; $2 &lt;= 100250811) print $0}’ | </a:t>
             </a:r>
             <a:r>
               <a:rPr lang="en-US" dirty="0" err="1" smtClean="0"/>
@@ -1019,7 +1035,7 @@
             </a:r>
             <a:r>
               <a:rPr lang="en-US" dirty="0" smtClean="0"/>
-              <a:t> 1 ’ 6_spec_snps_refAlt_browser_decrement.pgSnp | </a:t>
+              <a:t> 5 problem002.txt| </a:t>
             </a:r>
             <a:r>
               <a:rPr lang="en-US" dirty="0" err="1" smtClean="0"/>
@@ -1027,15 +1043,7 @@
             </a:r>
             <a:r>
               <a:rPr lang="en-US" dirty="0" smtClean="0"/>
-              <a:t> ‘{if ($2 &gt;= 100005112 &amp;&amp; $3 &lt;= 100250811) print $1,</a:t>
-            </a:r>
-            <a:r>
-              <a:rPr lang="en-US" baseline="0" dirty="0" smtClean="0"/>
-              <a:t> $3, $4</a:t>
-            </a:r>
-            <a:r>
-              <a:rPr lang="en-US" dirty="0" smtClean="0"/>
-              <a:t>}’ &gt; ’ 6_spec_snps_refAlt_browser_decrement.pgSnp_chr1_100005112to100250811_cols134.txt</a:t>
+              <a:t> ‘{if ($2 &gt;= 100005112 &amp;&amp; $2 &lt;= 100250811) print $2}’ &gt; ’ problem002.txt_chr5_100005112to100250811_col2.txt</a:t>
             </a:r>
           </a:p>
           <a:p>
@@ -4242,15 +4250,7 @@
           <a:p>
             <a:r>
               <a:rPr lang="en-US" dirty="0" smtClean="0"/>
-              <a:t>Download https://</a:t>
-            </a:r>
-            <a:r>
-              <a:rPr lang="en-US" dirty="0" err="1" smtClean="0"/>
-              <a:t>dl.dropboxusercontent.com</a:t>
-            </a:r>
-            <a:r>
-              <a:rPr lang="en-US" dirty="0" smtClean="0"/>
-              <a:t>/u/77362135/6_spec_snps_refAlt_browser_decrement.pgSnp</a:t>
+              <a:t>Download problem002.txt</a:t>
             </a:r>
             <a:endParaRPr lang="en-US" dirty="0"/>
           </a:p>
@@ -4333,20 +4333,34 @@
           <a:p>
             <a:r>
               <a:rPr lang="en-US" dirty="0" smtClean="0"/>
-              <a:t>Determine the number of SNPs in chr1.</a:t>
-            </a:r>
+              <a:t>Determine the number of SNPs in </a:t>
+            </a:r>
+            <a:r>
+              <a:rPr lang="en-US" dirty="0" smtClean="0"/>
+              <a:t>chr5.</a:t>
+            </a:r>
+            <a:endParaRPr lang="en-US" dirty="0" smtClean="0"/>
           </a:p>
           <a:p>
             <a:pPr lvl="1"/>
             <a:r>
               <a:rPr lang="en-US" dirty="0" smtClean="0"/>
-              <a:t>598806</a:t>
-            </a:r>
-          </a:p>
-          <a:p>
-            <a:r>
-              <a:rPr lang="en-US" dirty="0" smtClean="0"/>
-              <a:t>Find the number of SNPs in chr2 between 100005112 and 100250811.</a:t>
+              <a:t>598017</a:t>
+            </a:r>
+            <a:endParaRPr lang="en-US" dirty="0" smtClean="0"/>
+          </a:p>
+          <a:p>
+            <a:r>
+              <a:rPr lang="en-US" dirty="0" smtClean="0"/>
+              <a:t>Find the number of SNPs in </a:t>
+            </a:r>
+            <a:r>
+              <a:rPr lang="en-US" dirty="0" smtClean="0"/>
+              <a:t>chr8 </a:t>
+            </a:r>
+            <a:r>
+              <a:rPr lang="en-US" dirty="0" smtClean="0"/>
+              <a:t>between 100005112 and 100250811.</a:t>
             </a:r>
           </a:p>
           <a:p>
@@ -4355,11 +4369,24 @@
               <a:rPr lang="en-US" dirty="0" smtClean="0"/>
               <a:t>718</a:t>
             </a:r>
-          </a:p>
-          <a:p>
-            <a:r>
-              <a:rPr lang="en-US" dirty="0" smtClean="0"/>
-              <a:t>Make a file containing the SNPs in chr1 in the previous interval and include columns 1, 3, and 4.</a:t>
+            <a:endParaRPr lang="en-US" dirty="0" smtClean="0"/>
+          </a:p>
+          <a:p>
+            <a:r>
+              <a:rPr lang="en-US" dirty="0" smtClean="0"/>
+              <a:t>Make a file containing the SNPs in </a:t>
+            </a:r>
+            <a:r>
+              <a:rPr lang="en-US" dirty="0" smtClean="0"/>
+              <a:t>chr5 </a:t>
+            </a:r>
+            <a:r>
+              <a:rPr lang="en-US" dirty="0" smtClean="0"/>
+              <a:t>in the previous interval and include </a:t>
+            </a:r>
+            <a:r>
+              <a:rPr lang="en-US" dirty="0" smtClean="0"/>
+              <a:t>only column 2.</a:t>
             </a:r>
             <a:endParaRPr lang="en-US" dirty="0"/>
           </a:p>
@@ -4412,55 +4439,6 @@
                                           <p:spTgt spid="3">
                                             <p:txEl>
                                               <p:pRg st="1" end="1"/>
-                                            </p:txEl>
-                                          </p:spTgt>
-                                        </p:tgtEl>
-                                        <p:attrNameLst>
-                                          <p:attrName>style.visibility</p:attrName>
-                                        </p:attrNameLst>
-                                      </p:cBhvr>
-                                      <p:to>
-                                        <p:strVal val="visible"/>
-                                      </p:to>
-                                    </p:set>
-                                  </p:childTnLst>
-                                </p:cTn>
-                              </p:par>
-                            </p:childTnLst>
-                          </p:cTn>
-                        </p:par>
-                      </p:childTnLst>
-                    </p:cTn>
-                  </p:par>
-                  <p:par>
-                    <p:cTn id="7" fill="hold">
-                      <p:stCondLst>
-                        <p:cond delay="indefinite"/>
-                      </p:stCondLst>
-                      <p:childTnLst>
-                        <p:par>
-                          <p:cTn id="8" fill="hold">
-                            <p:stCondLst>
-                              <p:cond delay="0"/>
-                            </p:stCondLst>
-                            <p:childTnLst>
-                              <p:par>
-                                <p:cTn id="9" presetID="1" presetClass="entr" presetSubtype="0" fill="hold" nodeType="clickEffect">
-                                  <p:stCondLst>
-                                    <p:cond delay="0"/>
-                                  </p:stCondLst>
-                                  <p:childTnLst>
-                                    <p:set>
-                                      <p:cBhvr>
-                                        <p:cTn id="10" dur="1" fill="hold">
-                                          <p:stCondLst>
-                                            <p:cond delay="0"/>
-                                          </p:stCondLst>
-                                        </p:cTn>
-                                        <p:tgtEl>
-                                          <p:spTgt spid="3">
-                                            <p:txEl>
-                                              <p:pRg st="3" end="3"/>
                                             </p:txEl>
                                           </p:spTgt>
                                         </p:tgtEl>
